--- a/slides/SDE_CIKM2020.pptx
+++ b/slides/SDE_CIKM2020.pptx
@@ -267,7 +267,7 @@
           <a:p>
             <a:fld id="{0B9AF00C-6D75-48A8-A194-B96D46F0E30B}" type="datetimeFigureOut">
               <a:rPr lang="en-US" smtClean="0"/>
-              <a:t>9/8/2020</a:t>
+              <a:t>4/16/2023</a:t>
             </a:fld>
             <a:endParaRPr lang="en-US"/>
           </a:p>
@@ -459,7 +459,7 @@
               <a:pPr>
                 <a:defRPr/>
               </a:pPr>
-              <a:t>9/8/2020</a:t>
+              <a:t>4/16/2023</a:t>
             </a:fld>
             <a:endParaRPr lang="en-US"/>
           </a:p>
@@ -835,21 +835,6 @@
           <a:bodyPr/>
           <a:lstStyle/>
           <a:p>
-            <a:r>
-              <a:rPr lang="en-US" dirty="0"/>
-              <a:t>Hello everyone, my name is Nikos Giatrakos and I am going to present our paper entitled “</a:t>
-            </a:r>
-            <a:r>
-              <a:rPr lang="en-US" sz="1200" dirty="0"/>
-              <a:t>A Synopses Data Engine for </a:t>
-            </a:r>
-            <a:br>
-              <a:rPr lang="en-US" sz="1200" dirty="0"/>
-            </a:br>
-            <a:r>
-              <a:rPr lang="en-US" sz="1200" dirty="0"/>
-              <a:t>Interactive Extreme-Scale Analytics “</a:t>
-            </a:r>
             <a:endParaRPr lang="en-US" dirty="0"/>
           </a:p>
         </p:txBody>
@@ -948,88 +933,7 @@
           <a:lstStyle/>
           <a:p>
             <a:pPr algn="l"/>
-            <a:r>
-              <a:rPr lang="en-US" sz="1800" b="0" i="0" u="none" strike="noStrike" baseline="0" dirty="0">
-                <a:latin typeface="LinLibertineT"/>
-              </a:rPr>
-              <a:t>We build and maintain Discrete Fourier Transform, </a:t>
-            </a:r>
-            <a:r>
-              <a:rPr lang="en-US" sz="1800" b="0" i="0" u="none" strike="noStrike" baseline="0" dirty="0" err="1">
-                <a:latin typeface="LinLibertineT"/>
-              </a:rPr>
-              <a:t>HyperLogLog</a:t>
-            </a:r>
-            <a:r>
-              <a:rPr lang="en-US" sz="1800" b="0" i="0" u="none" strike="noStrike" baseline="0" dirty="0">
-                <a:latin typeface="LinLibertineT"/>
-              </a:rPr>
-              <a:t>, </a:t>
-            </a:r>
-            <a:r>
-              <a:rPr lang="en-US" sz="1800" b="0" i="0" u="none" strike="noStrike" baseline="0" dirty="0" err="1">
-                <a:latin typeface="LinLibertineT"/>
-              </a:rPr>
-              <a:t>CountMin</a:t>
-            </a:r>
-            <a:r>
-              <a:rPr lang="en-US" sz="1800" b="0" i="0" u="none" strike="noStrike" baseline="0" dirty="0">
-                <a:latin typeface="LinLibertineT"/>
-              </a:rPr>
-              <a:t> synopses which are destined to support analytics related to correlation, distinct count and frequency estimation, respectively</a:t>
-            </a:r>
-          </a:p>
-          <a:p>
-            <a:pPr algn="l"/>
-            <a:endParaRPr lang="en-US" sz="1800" b="0" i="0" u="none" strike="noStrike" baseline="0" dirty="0">
-              <a:latin typeface="LinLibertineT"/>
-            </a:endParaRPr>
-          </a:p>
-          <a:p>
-            <a:pPr algn="l"/>
-            <a:r>
-              <a:rPr lang="en-US" sz="1800" b="0" i="0" u="none" strike="noStrike" baseline="0" dirty="0">
-                <a:latin typeface="LinLibertineT"/>
-              </a:rPr>
-              <a:t>The vertical axis plots the achieved throughput, </a:t>
-            </a:r>
-            <a:r>
-              <a:rPr lang="en-US" sz="1800" dirty="0"/>
-              <a:t>for a setup of 500 streams and a parallelization degree of 4</a:t>
-            </a:r>
-            <a:r>
-              <a:rPr lang="en-US" sz="1800" b="0" i="0" u="none" strike="noStrike" baseline="0" dirty="0">
-                <a:latin typeface="LinLibertineT"/>
-              </a:rPr>
-              <a:t>.</a:t>
-            </a:r>
-          </a:p>
-          <a:p>
-            <a:pPr algn="l"/>
             <a:endParaRPr lang="en-US" dirty="0"/>
-          </a:p>
-          <a:p>
-            <a:r>
-              <a:rPr lang="en-US" dirty="0"/>
-              <a:t>In the horizontal axis of the plot, we vary the velocity of the incoming streams, as a factor of the maximum ingestion rate allowed by Kafka. So we clone each tuple the number of times indicated in the horizontal plot axis</a:t>
-            </a:r>
-          </a:p>
-          <a:p>
-            <a:endParaRPr lang="en-US" dirty="0"/>
-          </a:p>
-          <a:p>
-            <a:r>
-              <a:rPr lang="en-US" dirty="0"/>
-              <a:t>the trend is almost linear which is a key sign of horizontal scalability, the </a:t>
-            </a:r>
-            <a:r>
-              <a:rPr lang="en-US" dirty="0" err="1"/>
-              <a:t>SDE</a:t>
-            </a:r>
-            <a:r>
-              <a:rPr lang="en-US" dirty="0"/>
-              <a:t> can handle the volume and speed of data that are fed and the more we increase the ingestion rate, throughput is proportionally increased.</a:t>
-            </a:r>
           </a:p>
         </p:txBody>
       </p:sp>
@@ -1124,18 +1028,7 @@
           <a:bodyPr/>
           <a:lstStyle/>
           <a:p>
-            <a:r>
-              <a:rPr lang="en-US" dirty="0"/>
-              <a:t>Here we simulate a geo-distributed cluster setting composed of the number of nodes noted in the horizontal axis and in the vertical axis we measure the communication cost required to transmit the maintained summaries to a single site and compute the global estimation there. We can observe that the </a:t>
-            </a:r>
-            <a:r>
-              <a:rPr lang="en-US" dirty="0" err="1"/>
-              <a:t>SDEaaS</a:t>
-            </a:r>
-            <a:r>
-              <a:rPr lang="en-US" dirty="0"/>
-              <a:t> can provide more than an order of magnitude reduction in communicated gigabytes compared to transmitting the original data streams.</a:t>
-            </a:r>
+            <a:endParaRPr lang="en-US" dirty="0"/>
           </a:p>
         </p:txBody>
       </p:sp>
@@ -1232,109 +1125,7 @@
           </a:bodyPr>
           <a:lstStyle/>
           <a:p>
-            <a:r>
-              <a:rPr lang="en-US" dirty="0"/>
-              <a:t>In these plot we judge the vertical scalability of the </a:t>
-            </a:r>
-            <a:r>
-              <a:rPr lang="en-US" dirty="0" err="1"/>
-              <a:t>SDE</a:t>
-            </a:r>
-            <a:r>
-              <a:rPr lang="en-US" dirty="0"/>
-              <a:t> </a:t>
-            </a:r>
-          </a:p>
-          <a:p>
             <a:endParaRPr lang="en-US" dirty="0"/>
-          </a:p>
-          <a:p>
-            <a:r>
-              <a:rPr lang="en-US" dirty="0"/>
-              <a:t>We start by maintaining few count min sketches and then we express requests for </a:t>
-            </a:r>
-            <a:r>
-              <a:rPr lang="en-US" dirty="0" err="1"/>
-              <a:t>mainting</a:t>
-            </a:r>
-            <a:r>
-              <a:rPr lang="en-US" dirty="0"/>
-              <a:t> new synopses without stopping the running ones and thus we would not stop the workflows they serve. We compare our approach with a non </a:t>
-            </a:r>
-            <a:r>
-              <a:rPr lang="en-US" dirty="0" err="1"/>
-              <a:t>SDEaaS</a:t>
-            </a:r>
-            <a:r>
-              <a:rPr lang="en-US" dirty="0"/>
-              <a:t> approach that is </a:t>
-            </a:r>
-            <a:r>
-              <a:rPr lang="en-US" dirty="0" err="1"/>
-              <a:t>simplt</a:t>
-            </a:r>
-            <a:r>
-              <a:rPr lang="en-US" dirty="0"/>
-              <a:t> an </a:t>
-            </a:r>
-            <a:r>
-              <a:rPr lang="en-US" dirty="0" err="1"/>
-              <a:t>SDE</a:t>
-            </a:r>
-            <a:r>
-              <a:rPr lang="en-US" dirty="0"/>
-              <a:t> library</a:t>
-            </a:r>
-          </a:p>
-          <a:p>
-            <a:endParaRPr lang="en-US" dirty="0"/>
-          </a:p>
-          <a:p>
-            <a:r>
-              <a:rPr lang="en-US" dirty="0"/>
-              <a:t>the </a:t>
-            </a:r>
-            <a:r>
-              <a:rPr lang="en-US" dirty="0" err="1"/>
-              <a:t>nonSDEaaS</a:t>
-            </a:r>
-            <a:r>
-              <a:rPr lang="en-US" dirty="0"/>
-              <a:t> approach cannot maintain more than 40 synopses because every demand for new synopsis reserves entire task slots in </a:t>
-            </a:r>
-            <a:r>
-              <a:rPr lang="en-US" dirty="0" err="1"/>
-              <a:t>Flink</a:t>
-            </a:r>
-            <a:r>
-              <a:rPr lang="en-US" dirty="0"/>
-              <a:t> and the </a:t>
-            </a:r>
-            <a:r>
-              <a:rPr lang="en-US" dirty="0" err="1"/>
-              <a:t>taskslots</a:t>
-            </a:r>
-            <a:r>
-              <a:rPr lang="en-US" dirty="0"/>
-              <a:t> of our clusters are depleted after a while.</a:t>
-            </a:r>
-          </a:p>
-          <a:p>
-            <a:endParaRPr lang="en-US" dirty="0"/>
-          </a:p>
-          <a:p>
-            <a:r>
-              <a:rPr lang="en-US" dirty="0"/>
-              <a:t>Son the contrary, </a:t>
-            </a:r>
-            <a:r>
-              <a:rPr lang="en-US" dirty="0" err="1"/>
-              <a:t>SDEaaS</a:t>
-            </a:r>
-            <a:r>
-              <a:rPr lang="en-US" dirty="0"/>
-              <a:t> reserves new tasks when we express demands for new synopses, we can maintain thousands of synopses for thousands of streams, also exhibiting higher throughput because of fine grained resource management at the task, instead of task slot, level.</a:t>
-            </a:r>
           </a:p>
         </p:txBody>
       </p:sp>
@@ -1526,126 +1317,6 @@
           </a:bodyPr>
           <a:lstStyle/>
           <a:p>
-            <a:r>
-              <a:rPr lang="en-US" dirty="0"/>
-              <a:t>Many diverse applications require the online analysis on Big streaming data of extreme scale to support decision making procedures.</a:t>
-            </a:r>
-          </a:p>
-          <a:p>
-            <a:endParaRPr lang="en-US" dirty="0"/>
-          </a:p>
-          <a:p>
-            <a:r>
-              <a:rPr lang="en-US" strike="noStrike" dirty="0"/>
-              <a:t>Streaming Big Data platforms such as </a:t>
-            </a:r>
-            <a:r>
-              <a:rPr lang="en-US" strike="noStrike" dirty="0" err="1"/>
-              <a:t>Flink</a:t>
-            </a:r>
-            <a:r>
-              <a:rPr lang="en-US" strike="noStrike" dirty="0"/>
-              <a:t> or Spark handle the stream processing load by distributing, parallelizing it to a number of machines.</a:t>
-            </a:r>
-          </a:p>
-          <a:p>
-            <a:pPr marL="0" marR="0" lvl="0" indent="0" algn="l" defTabSz="914400" rtl="0" eaLnBrk="1" fontAlgn="base" latinLnBrk="0" hangingPunct="1">
-              <a:lnSpc>
-                <a:spcPct val="100000"/>
-              </a:lnSpc>
-              <a:spcBef>
-                <a:spcPct val="30000"/>
-              </a:spcBef>
-              <a:spcAft>
-                <a:spcPct val="0"/>
-              </a:spcAft>
-              <a:buClrTx/>
-              <a:buSzTx/>
-              <a:buFontTx/>
-              <a:buNone/>
-              <a:tabLst/>
-              <a:defRPr/>
-            </a:pPr>
-            <a:endParaRPr lang="en-US" dirty="0"/>
-          </a:p>
-          <a:p>
-            <a:r>
-              <a:rPr lang="en-US" dirty="0"/>
-              <a:t>On the other </a:t>
-            </a:r>
-            <a:r>
-              <a:rPr lang="en-US"/>
-              <a:t>hand, It </a:t>
-            </a:r>
-            <a:r>
-              <a:rPr lang="en-US" dirty="0"/>
-              <a:t>is common in stream processing to use approximations of quantities such as counts, frequency moments, quantiles derived via sampling, sketching or histogram techniques, to speed up the processing while controllably tuning the analytics accuracy. </a:t>
-            </a:r>
-          </a:p>
-          <a:p>
-            <a:endParaRPr lang="en-US" dirty="0"/>
-          </a:p>
-          <a:p>
-            <a:r>
-              <a:rPr lang="en-US" dirty="0"/>
-              <a:t>the use of synopses aids towards interactivity at scale by providing 3 types of scalability.</a:t>
-            </a:r>
-          </a:p>
-          <a:p>
-            <a:endParaRPr lang="en-US" dirty="0"/>
-          </a:p>
-          <a:p>
-            <a:r>
-              <a:rPr lang="en-US" dirty="0"/>
-              <a:t>Enhanced horizontal scalability, i.e., not only we distribute the processing load to a number of machines but we also use parallel implementations of synopses operators, to shed the load that is assigned to each machine</a:t>
-            </a:r>
-          </a:p>
-          <a:p>
-            <a:endParaRPr lang="en-US" dirty="0"/>
-          </a:p>
-          <a:p>
-            <a:pPr algn="l"/>
-            <a:r>
-              <a:rPr lang="en-US" dirty="0"/>
-              <a:t>Vertical scalability, i.e. </a:t>
-            </a:r>
-            <a:r>
-              <a:rPr lang="en-US" sz="1800" b="0" i="0" u="none" strike="noStrike" baseline="0" dirty="0">
-                <a:latin typeface="LinLibertineT"/>
-              </a:rPr>
-              <a:t>the ability to scale the computation with the number of processed streams. </a:t>
-            </a:r>
-          </a:p>
-          <a:p>
-            <a:pPr algn="l"/>
-            <a:endParaRPr lang="en-US" sz="1800" b="0" i="0" u="none" strike="noStrike" baseline="0" dirty="0">
-              <a:latin typeface="LinLibertineT"/>
-            </a:endParaRPr>
-          </a:p>
-          <a:p>
-            <a:pPr marL="0" marR="0" lvl="0" indent="0" algn="l" defTabSz="914400" rtl="0" eaLnBrk="1" fontAlgn="base" latinLnBrk="0" hangingPunct="1">
-              <a:lnSpc>
-                <a:spcPct val="100000"/>
-              </a:lnSpc>
-              <a:spcBef>
-                <a:spcPct val="30000"/>
-              </a:spcBef>
-              <a:spcAft>
-                <a:spcPct val="0"/>
-              </a:spcAft>
-              <a:buClrTx/>
-              <a:buSzTx/>
-              <a:buFontTx/>
-              <a:buNone/>
-              <a:tabLst/>
-              <a:defRPr/>
-            </a:pPr>
-            <a:r>
-              <a:rPr lang="en-US" dirty="0"/>
-              <a:t>Federated scalability, i.e., scaling the computation in networked settings composed of many clusters reducing bandwidth consumption by communicating data summaries instead of the original streams.</a:t>
-            </a:r>
-          </a:p>
-          <a:p>
             <a:pPr algn="l"/>
             <a:endParaRPr lang="en-US" dirty="0"/>
           </a:p>
@@ -1765,92 +1436,7 @@
           <a:bodyPr/>
           <a:lstStyle/>
           <a:p>
-            <a:r>
-              <a:rPr lang="en-US" dirty="0"/>
-              <a:t>To realize these benefits of synopses in interactive analytics at scale, we design a Synopses Data Engine, or </a:t>
-            </a:r>
-            <a:r>
-              <a:rPr lang="en-US" dirty="0" err="1"/>
-              <a:t>SDE</a:t>
-            </a:r>
-            <a:r>
-              <a:rPr lang="en-US" dirty="0"/>
-              <a:t> for short, which is built on Apache </a:t>
-            </a:r>
-            <a:r>
-              <a:rPr lang="en-US" dirty="0" err="1"/>
-              <a:t>Flink</a:t>
-            </a:r>
-            <a:r>
-              <a:rPr lang="en-US" dirty="0"/>
-              <a:t> using a Synopses as a service paradigm. That is our </a:t>
-            </a:r>
-            <a:r>
-              <a:rPr lang="en-US" dirty="0" err="1"/>
-              <a:t>SDE</a:t>
-            </a:r>
-            <a:r>
-              <a:rPr lang="en-US" dirty="0"/>
-              <a:t> is a constantly running job in one or more clusters accepting on the fly requests without downtime for the </a:t>
-            </a:r>
-            <a:r>
-              <a:rPr lang="en-US" dirty="0" err="1"/>
-              <a:t>SDE</a:t>
-            </a:r>
-            <a:r>
-              <a:rPr lang="en-US" dirty="0"/>
-              <a:t> and the workflows it serves</a:t>
-            </a:r>
-          </a:p>
-          <a:p>
             <a:endParaRPr lang="en-US" dirty="0"/>
-          </a:p>
-          <a:p>
-            <a:r>
-              <a:rPr lang="en-US" dirty="0"/>
-              <a:t>The additional benefits of the </a:t>
-            </a:r>
-            <a:r>
-              <a:rPr lang="en-US" dirty="0" err="1"/>
-              <a:t>SDEaaS</a:t>
-            </a:r>
-            <a:r>
-              <a:rPr lang="en-US" dirty="0"/>
-              <a:t> design is that it can serve multiple concurrently running workflows, reusing synopses which are common to them, instead of duplicating streams and synopses</a:t>
-            </a:r>
-          </a:p>
-          <a:p>
-            <a:endParaRPr lang="en-US" dirty="0"/>
-          </a:p>
-          <a:p>
-            <a:r>
-              <a:rPr lang="en-US" dirty="0"/>
-              <a:t>And every time we request a new synopses to be maintained the running </a:t>
-            </a:r>
-            <a:r>
-              <a:rPr lang="en-US" dirty="0" err="1"/>
-              <a:t>SDE</a:t>
-            </a:r>
-            <a:r>
-              <a:rPr lang="en-US" dirty="0"/>
-              <a:t> reserves new tasks while lacking the </a:t>
-            </a:r>
-            <a:r>
-              <a:rPr lang="en-US" dirty="0" err="1"/>
-              <a:t>SDEaaS</a:t>
-            </a:r>
-            <a:r>
-              <a:rPr lang="en-US" dirty="0"/>
-              <a:t> design would reserve entire threads or task slots in terms of </a:t>
-            </a:r>
-            <a:r>
-              <a:rPr lang="en-US" dirty="0" err="1"/>
-              <a:t>Flink</a:t>
-            </a:r>
-            <a:r>
-              <a:rPr lang="en-US" dirty="0"/>
-              <a:t>.</a:t>
-            </a:r>
           </a:p>
         </p:txBody>
       </p:sp>
@@ -1945,65 +1531,6 @@
           <a:bodyPr/>
           <a:lstStyle/>
           <a:p>
-            <a:r>
-              <a:rPr lang="en-US" dirty="0"/>
-              <a:t>Our </a:t>
-            </a:r>
-            <a:r>
-              <a:rPr lang="en-US" dirty="0" err="1"/>
-              <a:t>SDE</a:t>
-            </a:r>
-            <a:r>
-              <a:rPr lang="en-US" dirty="0"/>
-              <a:t> can accept on the fly requests for </a:t>
-            </a:r>
-            <a:r>
-              <a:rPr lang="en-US" dirty="0" err="1"/>
-              <a:t>maintaing</a:t>
-            </a:r>
-            <a:r>
-              <a:rPr lang="en-US" dirty="0"/>
-              <a:t> new synopses</a:t>
-            </a:r>
-          </a:p>
-          <a:p>
-            <a:endParaRPr lang="en-US" dirty="0"/>
-          </a:p>
-          <a:p>
-            <a:r>
-              <a:rPr lang="en-US" dirty="0"/>
-              <a:t>We can dynamically plug in the code of new synopses techniques, thus customizing it to new application needs at runtime without downtime</a:t>
-            </a:r>
-          </a:p>
-          <a:p>
-            <a:endParaRPr lang="en-US" dirty="0"/>
-          </a:p>
-          <a:p>
-            <a:r>
-              <a:rPr lang="en-US" dirty="0"/>
-              <a:t>Requests for continuous queries and ad-hoc queries.</a:t>
-            </a:r>
-          </a:p>
-          <a:p>
-            <a:endParaRPr lang="en-US" dirty="0"/>
-          </a:p>
-          <a:p>
-            <a:r>
-              <a:rPr lang="en-US" dirty="0"/>
-              <a:t>We support execution scenarios across platforms and clusters because we ingest data and requests via </a:t>
-            </a:r>
-            <a:r>
-              <a:rPr lang="en-US" dirty="0" err="1"/>
-              <a:t>kafka</a:t>
-            </a:r>
-            <a:r>
-              <a:rPr lang="en-US" dirty="0"/>
-              <a:t> topics and we use json format both in the input and the output of the </a:t>
-            </a:r>
-            <a:r>
-              <a:rPr lang="en-US" dirty="0" err="1"/>
-              <a:t>SDE</a:t>
-            </a:r>
             <a:endParaRPr lang="en-US" dirty="0"/>
           </a:p>
         </p:txBody>
@@ -2102,333 +1629,15 @@
           <a:lstStyle/>
           <a:p>
             <a:pPr algn="l"/>
-            <a:r>
-              <a:rPr lang="en-US" sz="1800" b="0" i="0" u="none" strike="noStrike" baseline="0" dirty="0">
-                <a:latin typeface="LinLibertineT"/>
-              </a:rPr>
-              <a:t>This is the </a:t>
-            </a:r>
-            <a:r>
-              <a:rPr lang="en-US" sz="1800" b="0" i="0" u="none" strike="noStrike" baseline="0" dirty="0" err="1">
-                <a:latin typeface="LinLibertineT"/>
-              </a:rPr>
-              <a:t>SDE</a:t>
-            </a:r>
-            <a:r>
-              <a:rPr lang="en-US" sz="1800" b="0" i="0" u="none" strike="noStrike" baseline="0" dirty="0">
-                <a:latin typeface="LinLibertineT"/>
-              </a:rPr>
-              <a:t> architecture. We are going to describe it along with how it is used in practice. This a condensed view. Each of the operators in the slide is executed in multiple parallel instances.</a:t>
-            </a:r>
+            <a:endParaRPr lang="en-US" sz="1800" b="0" i="0" u="none" strike="noStrike" baseline="0" dirty="0">
+              <a:latin typeface="LinLibertineT"/>
+            </a:endParaRPr>
           </a:p>
           <a:p>
             <a:pPr algn="l"/>
             <a:endParaRPr lang="en-US" sz="1800" b="0" i="0" u="none" strike="noStrike" baseline="0" dirty="0">
               <a:latin typeface="LinLibertineT"/>
             </a:endParaRPr>
-          </a:p>
-          <a:p>
-            <a:pPr algn="l"/>
-            <a:r>
-              <a:rPr lang="en-US" sz="1800" b="0" i="0" u="none" strike="noStrike" baseline="0" dirty="0">
-                <a:latin typeface="LinLibertineT"/>
-              </a:rPr>
-              <a:t>When a synopsis operator of the </a:t>
-            </a:r>
-            <a:r>
-              <a:rPr lang="en-US" sz="1800" b="0" i="0" u="none" strike="noStrike" baseline="0" dirty="0" err="1">
-                <a:latin typeface="LinLibertineT"/>
-              </a:rPr>
-              <a:t>SDE</a:t>
-            </a:r>
-            <a:r>
-              <a:rPr lang="en-US" sz="1800" b="0" i="0" u="none" strike="noStrike" baseline="0" dirty="0">
-                <a:latin typeface="LinLibertineT"/>
-              </a:rPr>
-              <a:t> is included in a workflow,</a:t>
-            </a:r>
-          </a:p>
-          <a:p>
-            <a:pPr algn="l"/>
-            <a:r>
-              <a:rPr lang="en-US" sz="1800" b="0" i="0" u="none" strike="noStrike" baseline="0" dirty="0">
-                <a:latin typeface="LinLibertineT"/>
-              </a:rPr>
-              <a:t>every request arrives via the </a:t>
-            </a:r>
-            <a:r>
-              <a:rPr lang="en-US" sz="1800" b="0" i="0" u="none" strike="noStrike" baseline="0" dirty="0" err="1">
-                <a:latin typeface="Inconsolatazi4-Regular"/>
-              </a:rPr>
-              <a:t>RequestTopic</a:t>
-            </a:r>
-            <a:r>
-              <a:rPr lang="en-US" sz="1800" b="0" i="0" u="none" strike="noStrike" baseline="0" dirty="0">
-                <a:latin typeface="Inconsolatazi4-Regular"/>
-              </a:rPr>
-              <a:t>. For </a:t>
-            </a:r>
-            <a:r>
-              <a:rPr lang="en-US" sz="1800" b="0" i="0" u="none" strike="noStrike" baseline="0" dirty="0">
-                <a:latin typeface="LinLibertineT"/>
-              </a:rPr>
-              <a:t>building</a:t>
-            </a:r>
-          </a:p>
-          <a:p>
-            <a:pPr algn="l"/>
-            <a:r>
-              <a:rPr lang="en-US" sz="1800" b="0" i="0" u="none" strike="noStrike" baseline="0" dirty="0">
-                <a:latin typeface="LinLibertineT"/>
-              </a:rPr>
-              <a:t>A synopsis the request follows part of the red-colored path.</a:t>
-            </a:r>
-          </a:p>
-          <a:p>
-            <a:pPr algn="l"/>
-            <a:endParaRPr lang="en-US" sz="1800" b="0" i="0" u="none" strike="noStrike" baseline="0" dirty="0">
-              <a:latin typeface="LinLibertineT"/>
-            </a:endParaRPr>
-          </a:p>
-          <a:p>
-            <a:pPr algn="l"/>
-            <a:r>
-              <a:rPr lang="en-US" sz="1800" b="0" i="0" u="none" strike="noStrike" baseline="0" dirty="0">
-                <a:latin typeface="LinLibertineT"/>
-              </a:rPr>
-              <a:t>In case we have a new synopses maintenance request, </a:t>
-            </a:r>
-          </a:p>
-          <a:p>
-            <a:pPr algn="l"/>
-            <a:r>
-              <a:rPr lang="en-US" sz="1800" b="0" i="0" u="none" strike="noStrike" baseline="0" dirty="0">
-                <a:latin typeface="LinLibertineT"/>
-              </a:rPr>
-              <a:t>The </a:t>
-            </a:r>
-            <a:r>
-              <a:rPr lang="en-US" sz="1800" b="0" i="0" u="none" strike="noStrike" baseline="0" dirty="0" err="1">
-                <a:latin typeface="Inconsolatazi4-Regular"/>
-              </a:rPr>
-              <a:t>RegisterSynopsis</a:t>
-            </a:r>
-            <a:r>
-              <a:rPr lang="en-US" sz="1800" b="0" i="0" u="none" strike="noStrike" baseline="0" dirty="0">
-                <a:latin typeface="LinLibertineT"/>
-              </a:rPr>
-              <a:t> and </a:t>
-            </a:r>
-            <a:r>
-              <a:rPr lang="en-US" sz="1800" b="0" i="0" u="none" strike="noStrike" baseline="0" dirty="0" err="1">
-                <a:latin typeface="Inconsolatazi4-Regular"/>
-              </a:rPr>
-              <a:t>RegisterRequest</a:t>
-            </a:r>
-            <a:r>
-              <a:rPr lang="en-US" sz="1800" b="0" i="0" u="none" strike="noStrike" baseline="0" dirty="0">
-                <a:latin typeface="Inconsolatazi4-Regular"/>
-              </a:rPr>
-              <a:t> </a:t>
-            </a:r>
-            <a:r>
-              <a:rPr lang="en-US" sz="1800" b="0" i="0" u="none" strike="noStrike" baseline="0" dirty="0" err="1">
-                <a:latin typeface="Inconsolatazi4-Regular"/>
-              </a:rPr>
-              <a:t>FlatMap</a:t>
-            </a:r>
-            <a:r>
-              <a:rPr lang="en-US" sz="1800" b="0" i="0" u="none" strike="noStrike" baseline="0" dirty="0" err="1">
-                <a:latin typeface="LinLibertineT"/>
-              </a:rPr>
-              <a:t>s</a:t>
-            </a:r>
-            <a:r>
-              <a:rPr lang="en-US" sz="1800" b="0" i="0" u="none" strike="noStrike" baseline="0" dirty="0">
-                <a:latin typeface="LinLibertineT"/>
-              </a:rPr>
-              <a:t> initially produce</a:t>
-            </a:r>
-          </a:p>
-          <a:p>
-            <a:pPr algn="l"/>
-            <a:r>
-              <a:rPr lang="en-US" sz="1800" b="0" i="0" u="none" strike="noStrike" baseline="0" dirty="0">
-                <a:latin typeface="LinLibertineT"/>
-              </a:rPr>
-              <a:t>the same keys pointing to workers that</a:t>
-            </a:r>
-          </a:p>
-          <a:p>
-            <a:pPr algn="l"/>
-            <a:r>
-              <a:rPr lang="en-US" sz="1800" b="0" i="0" u="none" strike="noStrike" baseline="0" dirty="0">
-                <a:latin typeface="LinLibertineT"/>
-              </a:rPr>
-              <a:t>should start maintaining the synopsis, but the two </a:t>
-            </a:r>
-            <a:r>
-              <a:rPr lang="en-US" sz="1800" b="0" i="0" u="none" strike="noStrike" baseline="0" dirty="0" err="1">
-                <a:latin typeface="LinLibertineT"/>
-              </a:rPr>
-              <a:t>flatmaps</a:t>
-            </a:r>
-            <a:r>
-              <a:rPr lang="en-US" sz="1800" b="0" i="0" u="none" strike="noStrike" baseline="0" dirty="0">
-                <a:latin typeface="LinLibertineT"/>
-              </a:rPr>
-              <a:t> do that for a different purpose each. As explained shortly.</a:t>
-            </a:r>
-          </a:p>
-          <a:p>
-            <a:pPr algn="l"/>
-            <a:endParaRPr lang="en-US" sz="1800" b="0" i="0" u="none" strike="noStrike" baseline="0" dirty="0">
-              <a:latin typeface="LinLibertineT"/>
-            </a:endParaRPr>
-          </a:p>
-          <a:p>
-            <a:pPr algn="l"/>
-            <a:endParaRPr lang="en-US" sz="1800" b="0" i="0" u="none" strike="noStrike" baseline="0" dirty="0">
-              <a:latin typeface="LinLibertineT"/>
-            </a:endParaRPr>
-          </a:p>
-          <a:p>
-            <a:pPr algn="l"/>
-            <a:endParaRPr lang="en-US" sz="1800" b="0" i="0" u="none" strike="noStrike" baseline="0" dirty="0">
-              <a:latin typeface="LinLibertineT"/>
-            </a:endParaRPr>
-          </a:p>
-          <a:p>
-            <a:pPr algn="l"/>
-            <a:endParaRPr lang="en-US" sz="1800" b="0" i="0" u="none" strike="noStrike" baseline="0" dirty="0">
-              <a:latin typeface="LinLibertineT"/>
-            </a:endParaRPr>
-          </a:p>
-          <a:p>
-            <a:pPr algn="l"/>
-            <a:endParaRPr lang="en-US" sz="1800" b="0" i="0" u="none" strike="noStrike" baseline="0" dirty="0">
-              <a:latin typeface="LinLibertineT"/>
-            </a:endParaRPr>
-          </a:p>
-          <a:p>
-            <a:pPr algn="l"/>
-            <a:endParaRPr lang="en-US" sz="1800" b="0" i="0" u="none" strike="noStrike" baseline="0" dirty="0">
-              <a:latin typeface="LinLibertineT"/>
-            </a:endParaRPr>
-          </a:p>
-          <a:p>
-            <a:pPr algn="l"/>
-            <a:endParaRPr lang="en-US" sz="1800" b="0" i="0" u="none" strike="noStrike" baseline="0" dirty="0">
-              <a:latin typeface="LinLibertineT"/>
-            </a:endParaRPr>
-          </a:p>
-          <a:p>
-            <a:pPr algn="l"/>
-            <a:endParaRPr lang="en-US" sz="1800" b="0" i="0" u="none" strike="noStrike" baseline="0" dirty="0">
-              <a:latin typeface="LinLibertineT"/>
-            </a:endParaRPr>
-          </a:p>
-          <a:p>
-            <a:pPr algn="l"/>
-            <a:endParaRPr lang="en-US" sz="1800" b="0" i="0" u="none" strike="noStrike" baseline="0" dirty="0">
-              <a:latin typeface="LinLibertineT"/>
-            </a:endParaRPr>
-          </a:p>
-          <a:p>
-            <a:pPr algn="l"/>
-            <a:endParaRPr lang="en-US" sz="1800" b="0" i="0" u="none" strike="noStrike" baseline="0" dirty="0">
-              <a:latin typeface="LinLibertineT"/>
-            </a:endParaRPr>
-          </a:p>
-          <a:p>
-            <a:pPr algn="l"/>
-            <a:endParaRPr lang="en-US" sz="1800" b="0" i="0" u="none" strike="noStrike" baseline="0" dirty="0">
-              <a:latin typeface="LinLibertineT"/>
-            </a:endParaRPr>
-          </a:p>
-          <a:p>
-            <a:pPr algn="l"/>
-            <a:r>
-              <a:rPr lang="en-US" sz="1800" b="0" i="0" u="none" strike="noStrike" baseline="0" dirty="0" err="1">
-                <a:latin typeface="Inconsolatazi4-Regular"/>
-              </a:rPr>
-              <a:t>RegisterSynopsis</a:t>
-            </a:r>
-            <a:r>
-              <a:rPr lang="en-US" sz="1800" b="0" i="0" u="none" strike="noStrike" baseline="0" dirty="0">
-                <a:latin typeface="Inconsolatazi4-Regular"/>
-              </a:rPr>
-              <a:t> </a:t>
-            </a:r>
-            <a:r>
-              <a:rPr lang="en-US" sz="1800" b="0" i="0" u="none" strike="noStrike" baseline="0" dirty="0">
-                <a:latin typeface="LinLibertineT"/>
-              </a:rPr>
-              <a:t>uses these keys to direct streaming tuples, which</a:t>
-            </a:r>
-          </a:p>
-          <a:p>
-            <a:pPr algn="l"/>
-            <a:r>
-              <a:rPr lang="en-US" sz="1800" b="0" i="0" u="none" strike="noStrike" baseline="0" dirty="0">
-                <a:latin typeface="LinLibertineT"/>
-              </a:rPr>
-              <a:t>follow the blue-colored path, to assigned workers to update the</a:t>
-            </a:r>
-          </a:p>
-          <a:p>
-            <a:pPr algn="l"/>
-            <a:r>
-              <a:rPr lang="en-US" sz="1800" b="0" i="0" u="none" strike="noStrike" baseline="0" dirty="0">
-                <a:latin typeface="LinLibertineT"/>
-              </a:rPr>
-              <a:t>synopsis. </a:t>
-            </a:r>
-            <a:r>
-              <a:rPr lang="en-US" sz="1800" b="0" i="0" u="none" strike="noStrike" baseline="0" dirty="0" err="1">
-                <a:latin typeface="Inconsolatazi4-Regular"/>
-              </a:rPr>
-              <a:t>Registe</a:t>
-            </a:r>
-            <a:r>
-              <a:rPr lang="en-US" sz="1800" b="0" i="0" u="none" strike="noStrike" baseline="0" dirty="0">
-                <a:latin typeface="Inconsolatazi4-Regular"/>
-              </a:rPr>
-              <a:t> Request </a:t>
-            </a:r>
-            <a:r>
-              <a:rPr lang="en-US" sz="1800" b="0" i="0" u="none" strike="noStrike" baseline="0" dirty="0">
-                <a:latin typeface="LinLibertineT"/>
-              </a:rPr>
-              <a:t>uses the same keys to direct queries to</a:t>
-            </a:r>
-          </a:p>
-          <a:p>
-            <a:pPr algn="l"/>
-            <a:r>
-              <a:rPr lang="en-US" sz="1800" b="0" i="0" u="none" strike="noStrike" baseline="0" dirty="0">
-                <a:latin typeface="LinLibertineT"/>
-              </a:rPr>
-              <a:t>those workers and derive estimations at the </a:t>
-            </a:r>
-            <a:r>
-              <a:rPr lang="en-US" sz="1800" b="0" i="0" u="none" strike="noStrike" baseline="0" dirty="0">
-                <a:latin typeface="Inconsolatazi4-Regular"/>
-              </a:rPr>
-              <a:t>estimation </a:t>
-            </a:r>
-            <a:r>
-              <a:rPr lang="en-US" sz="1800" b="0" i="0" u="none" strike="noStrike" baseline="0" dirty="0" err="1">
-                <a:latin typeface="Inconsolatazi4-Regular"/>
-              </a:rPr>
-              <a:t>FlatMap</a:t>
-            </a:r>
-            <a:r>
-              <a:rPr lang="en-US" sz="1800" b="0" i="0" u="none" strike="noStrike" baseline="0" dirty="0">
-                <a:latin typeface="LinLibertineT"/>
-              </a:rPr>
-              <a:t>.</a:t>
-            </a:r>
           </a:p>
         </p:txBody>
       </p:sp>
@@ -2526,126 +1735,6 @@
           <a:lstStyle/>
           <a:p>
             <a:pPr algn="l"/>
-            <a:r>
-              <a:rPr lang="en-US" sz="1200" b="0" i="0" u="none" strike="noStrike" baseline="0" dirty="0">
-                <a:latin typeface="LinLibertineT"/>
-              </a:rPr>
-              <a:t>When a streaming update arrives at the </a:t>
-            </a:r>
-            <a:r>
-              <a:rPr lang="en-US" sz="1200" b="0" i="0" u="none" strike="noStrike" baseline="0" dirty="0" err="1">
-                <a:latin typeface="Inconsolatazi4-Regular"/>
-              </a:rPr>
-              <a:t>DataTopic</a:t>
-            </a:r>
-            <a:r>
-              <a:rPr lang="en-US" sz="1200" b="0" i="0" u="none" strike="noStrike" baseline="0" dirty="0">
-                <a:latin typeface="LinLibertineT"/>
-              </a:rPr>
-              <a:t>, the </a:t>
-            </a:r>
-            <a:r>
-              <a:rPr lang="en-US" sz="1200" b="0" i="0" u="none" strike="noStrike" baseline="0" dirty="0" err="1">
-                <a:latin typeface="Inconsolatazi4-Regular"/>
-              </a:rPr>
-              <a:t>HashData</a:t>
-            </a:r>
-            <a:endParaRPr lang="en-US" sz="1200" b="0" i="0" u="none" strike="noStrike" baseline="0" dirty="0">
-              <a:latin typeface="Inconsolatazi4-Regular"/>
-            </a:endParaRPr>
-          </a:p>
-          <a:p>
-            <a:pPr algn="l"/>
-            <a:r>
-              <a:rPr lang="en-US" sz="1200" b="0" i="0" u="none" strike="noStrike" baseline="0" dirty="0" err="1">
-                <a:latin typeface="Inconsolatazi4-Regular"/>
-              </a:rPr>
-              <a:t>FlatMap</a:t>
-            </a:r>
-            <a:r>
-              <a:rPr lang="en-US" sz="1200" b="0" i="0" u="none" strike="noStrike" baseline="0" dirty="0">
-                <a:latin typeface="Inconsolatazi4-Regular"/>
-              </a:rPr>
-              <a:t> </a:t>
-            </a:r>
-            <a:r>
-              <a:rPr lang="en-US" sz="1200" b="0" i="0" u="none" strike="noStrike" baseline="0" dirty="0">
-                <a:latin typeface="LinLibertineT"/>
-              </a:rPr>
-              <a:t>looks up the keys of workers produced by </a:t>
-            </a:r>
-            <a:r>
-              <a:rPr lang="en-US" sz="1200" b="0" i="0" u="none" strike="noStrike" baseline="0" dirty="0" err="1">
-                <a:latin typeface="Inconsolatazi4-Regular"/>
-              </a:rPr>
-              <a:t>RegisterSynopsis</a:t>
-            </a:r>
-            <a:endParaRPr lang="en-US" sz="1200" b="0" i="0" u="none" strike="noStrike" baseline="0" dirty="0">
-              <a:latin typeface="Inconsolatazi4-Regular"/>
-            </a:endParaRPr>
-          </a:p>
-          <a:p>
-            <a:pPr algn="l"/>
-            <a:r>
-              <a:rPr lang="en-US" sz="1200" b="0" i="0" u="none" strike="noStrike" baseline="0" dirty="0">
-                <a:latin typeface="LinLibertineT"/>
-              </a:rPr>
-              <a:t>and directs the update to the proper workers. There, the </a:t>
-            </a:r>
-            <a:r>
-              <a:rPr lang="en-US" sz="1200" b="0" i="0" u="none" strike="noStrike" baseline="0" dirty="0">
-                <a:latin typeface="Inconsolatazi4-Regular"/>
-              </a:rPr>
-              <a:t>add </a:t>
-            </a:r>
-            <a:r>
-              <a:rPr lang="en-US" sz="1200" b="0" i="0" u="none" strike="noStrike" baseline="0" dirty="0" err="1">
-                <a:latin typeface="Inconsolatazi4-Regular"/>
-              </a:rPr>
-              <a:t>FlatMap</a:t>
-            </a:r>
-            <a:endParaRPr lang="en-US" sz="1200" b="0" i="0" u="none" strike="noStrike" baseline="0" dirty="0">
-              <a:latin typeface="Inconsolatazi4-Regular"/>
-            </a:endParaRPr>
-          </a:p>
-          <a:p>
-            <a:pPr algn="l"/>
-            <a:r>
-              <a:rPr lang="en-US" sz="1200" b="0" i="0" u="none" strike="noStrike" baseline="0" dirty="0">
-                <a:latin typeface="LinLibertineT"/>
-              </a:rPr>
-              <a:t>includes the update in the maintained synopsis. For instance, in case a FM sketch is maintained, the </a:t>
-            </a:r>
-            <a:r>
-              <a:rPr lang="en-US" sz="1200" b="0" i="0" u="none" strike="noStrike" baseline="0" dirty="0">
-                <a:latin typeface="Inconsolatazi4-Regular"/>
-              </a:rPr>
-              <a:t>add </a:t>
-            </a:r>
-            <a:r>
-              <a:rPr lang="en-US" sz="1200" b="0" i="0" u="none" strike="noStrike" baseline="0" dirty="0">
-                <a:latin typeface="LinLibertineT"/>
-              </a:rPr>
-              <a:t>operation hashes the incoming</a:t>
-            </a:r>
-          </a:p>
-          <a:p>
-            <a:pPr algn="l"/>
-            <a:r>
-              <a:rPr lang="en-US" sz="1200" b="0" i="0" u="none" strike="noStrike" baseline="0" dirty="0">
-                <a:latin typeface="LinLibertineT"/>
-              </a:rPr>
-              <a:t>tuple to a position of the maintained bitmap and turns the</a:t>
-            </a:r>
-          </a:p>
-          <a:p>
-            <a:pPr algn="l"/>
-            <a:r>
-              <a:rPr lang="en-US" sz="1200" b="0" i="0" u="none" strike="noStrike" baseline="0" dirty="0">
-                <a:latin typeface="LinLibertineT"/>
-              </a:rPr>
-              <a:t>corresponding bit to 1 if it is not already set</a:t>
-            </a:r>
             <a:endParaRPr lang="en-US" dirty="0"/>
           </a:p>
         </p:txBody>
@@ -2744,204 +1833,6 @@
           <a:lstStyle/>
           <a:p>
             <a:pPr algn="l"/>
-            <a:r>
-              <a:rPr lang="en-US" sz="1800" b="0" i="0" u="none" strike="noStrike" baseline="0" dirty="0">
-                <a:latin typeface="LinLibertineT"/>
-              </a:rPr>
-              <a:t>Upon a query, The </a:t>
-            </a:r>
-            <a:r>
-              <a:rPr lang="en-US" sz="1800" b="0" i="0" u="none" strike="noStrike" baseline="0" dirty="0" err="1">
-                <a:latin typeface="LinLibertineT"/>
-              </a:rPr>
-              <a:t>RegisterRequest</a:t>
-            </a:r>
-            <a:r>
-              <a:rPr lang="en-US" sz="1800" b="0" i="0" u="none" strike="noStrike" baseline="0" dirty="0">
-                <a:latin typeface="LinLibertineT"/>
-              </a:rPr>
-              <a:t> </a:t>
-            </a:r>
-            <a:r>
-              <a:rPr lang="en-US" sz="1800" b="0" i="0" u="none" strike="noStrike" baseline="0" dirty="0" err="1">
-                <a:latin typeface="LinLibertineT"/>
-              </a:rPr>
-              <a:t>flatmap</a:t>
-            </a:r>
-            <a:r>
-              <a:rPr lang="en-US" sz="1800" b="0" i="0" u="none" strike="noStrike" baseline="0" dirty="0">
-                <a:latin typeface="LinLibertineT"/>
-              </a:rPr>
-              <a:t> looks up the keys of workers for the queried synopsis and direct the query there, where the estimate </a:t>
-            </a:r>
-            <a:r>
-              <a:rPr lang="en-US" sz="1800" b="0" i="0" u="none" strike="noStrike" baseline="0" dirty="0" err="1">
-                <a:latin typeface="LinLibertineT"/>
-              </a:rPr>
-              <a:t>platmap</a:t>
-            </a:r>
-            <a:r>
-              <a:rPr lang="en-US" sz="1800" b="0" i="0" u="none" strike="noStrike" baseline="0" dirty="0">
-                <a:latin typeface="LinLibertineT"/>
-              </a:rPr>
-              <a:t> is executed, reading the status of the synopses from the add </a:t>
-            </a:r>
-            <a:r>
-              <a:rPr lang="en-US" sz="1800" b="0" i="0" u="none" strike="noStrike" baseline="0" dirty="0" err="1">
-                <a:latin typeface="LinLibertineT"/>
-              </a:rPr>
-              <a:t>flatmap</a:t>
-            </a:r>
-            <a:r>
-              <a:rPr lang="en-US" sz="1800" b="0" i="0" u="none" strike="noStrike" baseline="0" dirty="0">
-                <a:latin typeface="LinLibertineT"/>
-              </a:rPr>
-              <a:t> and deriving the estimation. </a:t>
-            </a:r>
-          </a:p>
-          <a:p>
-            <a:pPr algn="l"/>
-            <a:endParaRPr lang="en-US" sz="1800" b="0" i="0" u="none" strike="noStrike" baseline="0" dirty="0">
-              <a:latin typeface="LinLibertineT"/>
-            </a:endParaRPr>
-          </a:p>
-          <a:p>
-            <a:pPr algn="l"/>
-            <a:endParaRPr lang="en-US" sz="1800" b="0" i="0" u="none" strike="noStrike" baseline="0" dirty="0">
-              <a:latin typeface="LinLibertineT"/>
-            </a:endParaRPr>
-          </a:p>
-          <a:p>
-            <a:pPr algn="l"/>
-            <a:r>
-              <a:rPr lang="en-US" sz="1800" b="0" i="0" u="none" strike="noStrike" baseline="0" dirty="0">
-                <a:latin typeface="LinLibertineT"/>
-              </a:rPr>
-              <a:t>The rest of the operators on the right-hand side of the architecture are</a:t>
-            </a:r>
-          </a:p>
-          <a:p>
-            <a:pPr algn="l"/>
-            <a:r>
-              <a:rPr lang="en-US" sz="1800" b="0" i="0" u="none" strike="noStrike" baseline="0" dirty="0">
-                <a:latin typeface="LinLibertineT"/>
-              </a:rPr>
-              <a:t>used for appropriately controlling the output topics. The </a:t>
-            </a:r>
-            <a:r>
-              <a:rPr lang="en-US" sz="1800" b="0" i="0" u="none" strike="noStrike" baseline="0" dirty="0">
-                <a:latin typeface="Inconsolatazi4-Regular"/>
-              </a:rPr>
-              <a:t>splitter</a:t>
-            </a:r>
-          </a:p>
-          <a:p>
-            <a:pPr algn="l"/>
-            <a:r>
-              <a:rPr lang="en-US" sz="1800" b="0" i="0" u="none" strike="noStrike" baseline="0" dirty="0">
-                <a:latin typeface="LinLibertineT"/>
-              </a:rPr>
-              <a:t>(</a:t>
-            </a:r>
-            <a:r>
-              <a:rPr lang="en-US" sz="1800" b="0" i="0" u="none" strike="noStrike" baseline="0" dirty="0">
-                <a:latin typeface="Inconsolatazi4-Regular"/>
-              </a:rPr>
-              <a:t>split </a:t>
-            </a:r>
-            <a:r>
-              <a:rPr lang="en-US" sz="1800" b="0" i="0" u="none" strike="noStrike" baseline="0" dirty="0">
-                <a:latin typeface="LinLibertineT"/>
-              </a:rPr>
-              <a:t>operator in </a:t>
-            </a:r>
-            <a:r>
-              <a:rPr lang="en-US" sz="1800" b="0" i="0" u="none" strike="noStrike" baseline="0" dirty="0" err="1">
-                <a:latin typeface="LinLibertineT"/>
-              </a:rPr>
-              <a:t>Flink</a:t>
-            </a:r>
-            <a:r>
-              <a:rPr lang="en-US" sz="1800" b="0" i="0" u="none" strike="noStrike" baseline="0" dirty="0">
-                <a:latin typeface="LinLibertineT"/>
-              </a:rPr>
-              <a:t>) directs the estimation to the </a:t>
-            </a:r>
-            <a:r>
-              <a:rPr lang="en-US" sz="1800" b="0" i="0" u="none" strike="noStrike" baseline="0" dirty="0" err="1">
-                <a:latin typeface="Inconsolatazi4-Regular"/>
-              </a:rPr>
-              <a:t>OutputTopic</a:t>
-            </a:r>
-            <a:endParaRPr lang="en-US" sz="1800" b="0" i="0" u="none" strike="noStrike" baseline="0" dirty="0">
-              <a:latin typeface="Inconsolatazi4-Regular"/>
-            </a:endParaRPr>
-          </a:p>
-          <a:p>
-            <a:pPr algn="l"/>
-            <a:r>
-              <a:rPr lang="en-US" sz="1800" b="0" i="0" u="none" strike="noStrike" baseline="0" dirty="0">
-                <a:latin typeface="LinLibertineT"/>
-              </a:rPr>
-              <a:t>if a synopsis is defined on a single stream handled by one worker</a:t>
-            </a:r>
-          </a:p>
-          <a:p>
-            <a:pPr algn="l"/>
-            <a:r>
-              <a:rPr lang="en-US" sz="1800" b="0" i="0" u="none" strike="noStrike" baseline="0" dirty="0">
-                <a:latin typeface="LinLibertineT"/>
-              </a:rPr>
-              <a:t>(green path). If a synopses is maintained at multiple workers the results are partial synopses of each worker are first merged and then we output an estimation.</a:t>
-            </a:r>
-          </a:p>
-          <a:p>
-            <a:pPr algn="l"/>
-            <a:r>
-              <a:rPr lang="en-US" sz="1800" b="0" i="0" u="none" strike="noStrike" baseline="0" dirty="0">
-                <a:latin typeface="LinLibertineT"/>
-              </a:rPr>
-              <a:t>When a synopsis is maintained in  multiple clusters we first union the partial synopses, then </a:t>
-            </a:r>
-            <a:r>
-              <a:rPr lang="en-US" sz="1800" b="0" i="0" u="none" strike="noStrike" baseline="0" dirty="0">
-                <a:latin typeface="Inconsolatazi4-Regular"/>
-              </a:rPr>
-              <a:t>merge them and finally output the overall estimation.</a:t>
-            </a:r>
-            <a:endParaRPr lang="en-US" sz="1800" b="0" i="0" u="none" strike="noStrike" baseline="0" dirty="0">
-              <a:latin typeface="LinLibertineT"/>
-            </a:endParaRPr>
-          </a:p>
-          <a:p>
-            <a:pPr algn="l"/>
-            <a:r>
-              <a:rPr lang="en-US" sz="1800" b="0" i="0" u="none" strike="noStrike" baseline="0" dirty="0">
-                <a:latin typeface="LinLibertineT"/>
-              </a:rPr>
-              <a:t>(for instance, in case of FM sketches, merge </a:t>
-            </a:r>
-            <a:r>
-              <a:rPr lang="en-US" sz="1800" b="0" i="0" u="none" strike="noStrike" baseline="0" dirty="0" err="1">
-                <a:latin typeface="LinLibertineT"/>
-              </a:rPr>
-              <a:t>perfroms</a:t>
-            </a:r>
-            <a:r>
-              <a:rPr lang="en-US" sz="1800" b="0" i="0" u="none" strike="noStrike" baseline="0" dirty="0">
-                <a:latin typeface="LinLibertineT"/>
-              </a:rPr>
-              <a:t> a logical disjunction operation on various</a:t>
-            </a:r>
-          </a:p>
-          <a:p>
-            <a:pPr algn="l"/>
-            <a:r>
-              <a:rPr lang="en-US" sz="1800" b="0" i="0" u="none" strike="noStrike" baseline="0" dirty="0">
-                <a:latin typeface="LinLibertineT"/>
-              </a:rPr>
-              <a:t>FM sketches.</a:t>
-            </a:r>
             <a:endParaRPr lang="en-US" dirty="0"/>
           </a:p>
         </p:txBody>
@@ -3037,18 +1928,7 @@
           <a:bodyPr/>
           <a:lstStyle/>
           <a:p>
-            <a:r>
-              <a:rPr lang="en-US" dirty="0"/>
-              <a:t>The </a:t>
-            </a:r>
-            <a:r>
-              <a:rPr lang="en-US" dirty="0" err="1"/>
-              <a:t>SDE</a:t>
-            </a:r>
-            <a:r>
-              <a:rPr lang="en-US" dirty="0"/>
-              <a:t> library has a parent class named “synopsis” and every new synopsis extends this parent class overriding the add, estimate and merge methods. Inheritance and polymorphism are the keys here to allow pluggability of new code on the fly. </a:t>
-            </a:r>
+            <a:endParaRPr lang="en-US" dirty="0"/>
           </a:p>
         </p:txBody>
       </p:sp>
@@ -3143,54 +2023,6 @@
           <a:bodyPr/>
           <a:lstStyle/>
           <a:p>
-            <a:pPr marL="0" marR="0" lvl="0" indent="0" algn="l" defTabSz="914400" rtl="0" eaLnBrk="1" fontAlgn="base" latinLnBrk="0" hangingPunct="1">
-              <a:lnSpc>
-                <a:spcPct val="100000"/>
-              </a:lnSpc>
-              <a:spcBef>
-                <a:spcPct val="30000"/>
-              </a:spcBef>
-              <a:spcAft>
-                <a:spcPct val="0"/>
-              </a:spcAft>
-              <a:buClrTx/>
-              <a:buSzTx/>
-              <a:buFontTx/>
-              <a:buNone/>
-              <a:tabLst/>
-              <a:defRPr/>
-            </a:pPr>
-            <a:r>
-              <a:rPr lang="en-US" dirty="0"/>
-              <a:t>We use a real financial dataset composing trades for approximately 5000 stocks of total size of </a:t>
-            </a:r>
-            <a:r>
-              <a:rPr lang="en-US" dirty="0" err="1"/>
-              <a:t>10TB</a:t>
-            </a:r>
-            <a:r>
-              <a:rPr lang="en-US" dirty="0"/>
-              <a:t>, we have made portion of this data available online</a:t>
-            </a:r>
-          </a:p>
-          <a:p>
-            <a:endParaRPr lang="en-US" dirty="0"/>
-          </a:p>
-          <a:p>
-            <a:r>
-              <a:rPr lang="en-US" dirty="0"/>
-              <a:t>We use a setup of a Kafka cluster with these characteristics and a </a:t>
-            </a:r>
-            <a:r>
-              <a:rPr lang="en-US" dirty="0" err="1"/>
-              <a:t>Flink</a:t>
-            </a:r>
-            <a:r>
-              <a:rPr lang="en-US" dirty="0"/>
-              <a:t> cluster with these ones</a:t>
-            </a:r>
-          </a:p>
-          <a:p>
             <a:endParaRPr lang="en-US" dirty="0"/>
           </a:p>
         </p:txBody>
@@ -4043,7 +2875,7 @@
             </a:pPr>
             <a:fld id="{6CA36733-459D-4C68-B614-1F8D3D4A1C30}" type="datetime1">
               <a:rPr lang="en-US" smtClean="0"/>
-              <a:t>9/8/2020</a:t>
+              <a:t>4/16/2023</a:t>
             </a:fld>
             <a:endParaRPr lang="en-US"/>
           </a:p>
@@ -6677,7 +5509,7 @@
             </a:pPr>
             <a:fld id="{B1A3CDFA-330E-4CAA-8D3D-CB5AEA74F8D2}" type="datetime1">
               <a:rPr lang="en-US" smtClean="0"/>
-              <a:t>9/8/2020</a:t>
+              <a:t>4/16/2023</a:t>
             </a:fld>
             <a:endParaRPr lang="en-US"/>
           </a:p>
@@ -6961,7 +5793,7 @@
             </a:pPr>
             <a:fld id="{897267CC-F936-4338-A5BF-4A2F6369C5A4}" type="datetime1">
               <a:rPr lang="en-US" smtClean="0"/>
-              <a:t>9/8/2020</a:t>
+              <a:t>4/16/2023</a:t>
             </a:fld>
             <a:endParaRPr lang="en-US"/>
           </a:p>
@@ -7155,7 +5987,7 @@
             </a:pPr>
             <a:fld id="{359EC681-8D43-4411-94FF-0E685A50AF1A}" type="datetime1">
               <a:rPr lang="en-US" smtClean="0"/>
-              <a:t>9/8/2020</a:t>
+              <a:t>4/16/2023</a:t>
             </a:fld>
             <a:endParaRPr lang="en-US"/>
           </a:p>
@@ -7416,7 +6248,7 @@
             </a:pPr>
             <a:fld id="{0C732611-0F25-4EBF-9023-C4FFDAAD1EC6}" type="datetime1">
               <a:rPr lang="en-US" smtClean="0"/>
-              <a:t>9/8/2020</a:t>
+              <a:t>4/16/2023</a:t>
             </a:fld>
             <a:endParaRPr lang="en-US" dirty="0"/>
           </a:p>
@@ -12757,7 +11589,7 @@
                             </p:stCondLst>
                             <p:childTnLst>
                               <p:par>
-                                <p:cTn id="29" presetID="1" presetClass="entr" presetSubtype="0" fill="hold" grpId="1" nodeType="clickEffect">
+                                <p:cTn id="29" presetID="1" presetClass="entr" presetSubtype="0" fill="hold" grpId="0" nodeType="clickEffect">
                                   <p:stCondLst>
                                     <p:cond delay="0"/>
                                   </p:stCondLst>
@@ -12934,7 +11766,7 @@
                                 </p:cTn>
                               </p:par>
                               <p:par>
-                                <p:cTn id="43" presetID="0" presetClass="path" presetSubtype="0" accel="50000" decel="50000" fill="hold" grpId="2" nodeType="withEffect">
+                                <p:cTn id="43" presetID="0" presetClass="path" presetSubtype="0" accel="50000" decel="50000" fill="hold" grpId="1" nodeType="withEffect">
                                   <p:stCondLst>
                                     <p:cond delay="0"/>
                                   </p:stCondLst>
@@ -12993,8 +11825,8 @@
       <p:bldP spid="15" grpId="0" animBg="1"/>
       <p:bldP spid="15" grpId="1" animBg="1"/>
       <p:bldP spid="15" grpId="2" animBg="1"/>
+      <p:bldP spid="16" grpId="0" animBg="1"/>
       <p:bldP spid="16" grpId="1" animBg="1"/>
-      <p:bldP spid="16" grpId="2" animBg="1"/>
       <p:bldP spid="17" grpId="0" animBg="1"/>
       <p:bldP spid="17" grpId="1" animBg="1"/>
       <p:bldP spid="18" grpId="0" animBg="1"/>
